--- a/Insights_and_Recommendations.pptx
+++ b/Insights_and_Recommendations.pptx
@@ -11842,7 +11842,7 @@
           <a:p>
             <a:fld id="{063EF33F-5028-40BD-8B55-ED14E0CD9140}" type="datetimeFigureOut">
               <a:rPr lang="en-IN" smtClean="0"/>
-              <a:t>16-09-2024</a:t>
+              <a:t>15-10-2024</a:t>
             </a:fld>
             <a:endParaRPr lang="en-IN"/>
           </a:p>
@@ -12343,7 +12343,7 @@
           <a:p>
             <a:fld id="{3EFB6AEB-7BAD-444A-81A6-F3C5AE8BE511}" type="datetimeFigureOut">
               <a:rPr lang="en-IN" smtClean="0"/>
-              <a:t>16-09-2024</a:t>
+              <a:t>15-10-2024</a:t>
             </a:fld>
             <a:endParaRPr lang="en-IN"/>
           </a:p>
@@ -12543,7 +12543,7 @@
           <a:p>
             <a:fld id="{3EFB6AEB-7BAD-444A-81A6-F3C5AE8BE511}" type="datetimeFigureOut">
               <a:rPr lang="en-IN" smtClean="0"/>
-              <a:t>16-09-2024</a:t>
+              <a:t>15-10-2024</a:t>
             </a:fld>
             <a:endParaRPr lang="en-IN"/>
           </a:p>
@@ -12753,7 +12753,7 @@
           <a:p>
             <a:fld id="{3EFB6AEB-7BAD-444A-81A6-F3C5AE8BE511}" type="datetimeFigureOut">
               <a:rPr lang="en-IN" smtClean="0"/>
-              <a:t>16-09-2024</a:t>
+              <a:t>15-10-2024</a:t>
             </a:fld>
             <a:endParaRPr lang="en-IN"/>
           </a:p>
@@ -12953,7 +12953,7 @@
           <a:p>
             <a:fld id="{3EFB6AEB-7BAD-444A-81A6-F3C5AE8BE511}" type="datetimeFigureOut">
               <a:rPr lang="en-IN" smtClean="0"/>
-              <a:t>16-09-2024</a:t>
+              <a:t>15-10-2024</a:t>
             </a:fld>
             <a:endParaRPr lang="en-IN"/>
           </a:p>
@@ -13229,7 +13229,7 @@
           <a:p>
             <a:fld id="{3EFB6AEB-7BAD-444A-81A6-F3C5AE8BE511}" type="datetimeFigureOut">
               <a:rPr lang="en-IN" smtClean="0"/>
-              <a:t>16-09-2024</a:t>
+              <a:t>15-10-2024</a:t>
             </a:fld>
             <a:endParaRPr lang="en-IN"/>
           </a:p>
@@ -13497,7 +13497,7 @@
           <a:p>
             <a:fld id="{3EFB6AEB-7BAD-444A-81A6-F3C5AE8BE511}" type="datetimeFigureOut">
               <a:rPr lang="en-IN" smtClean="0"/>
-              <a:t>16-09-2024</a:t>
+              <a:t>15-10-2024</a:t>
             </a:fld>
             <a:endParaRPr lang="en-IN"/>
           </a:p>
@@ -13912,7 +13912,7 @@
           <a:p>
             <a:fld id="{3EFB6AEB-7BAD-444A-81A6-F3C5AE8BE511}" type="datetimeFigureOut">
               <a:rPr lang="en-IN" smtClean="0"/>
-              <a:t>16-09-2024</a:t>
+              <a:t>15-10-2024</a:t>
             </a:fld>
             <a:endParaRPr lang="en-IN"/>
           </a:p>
@@ -14054,7 +14054,7 @@
           <a:p>
             <a:fld id="{3EFB6AEB-7BAD-444A-81A6-F3C5AE8BE511}" type="datetimeFigureOut">
               <a:rPr lang="en-IN" smtClean="0"/>
-              <a:t>16-09-2024</a:t>
+              <a:t>15-10-2024</a:t>
             </a:fld>
             <a:endParaRPr lang="en-IN"/>
           </a:p>
@@ -14167,7 +14167,7 @@
           <a:p>
             <a:fld id="{3EFB6AEB-7BAD-444A-81A6-F3C5AE8BE511}" type="datetimeFigureOut">
               <a:rPr lang="en-IN" smtClean="0"/>
-              <a:t>16-09-2024</a:t>
+              <a:t>15-10-2024</a:t>
             </a:fld>
             <a:endParaRPr lang="en-IN"/>
           </a:p>
@@ -14480,7 +14480,7 @@
           <a:p>
             <a:fld id="{3EFB6AEB-7BAD-444A-81A6-F3C5AE8BE511}" type="datetimeFigureOut">
               <a:rPr lang="en-IN" smtClean="0"/>
-              <a:t>16-09-2024</a:t>
+              <a:t>15-10-2024</a:t>
             </a:fld>
             <a:endParaRPr lang="en-IN"/>
           </a:p>
@@ -14769,7 +14769,7 @@
           <a:p>
             <a:fld id="{3EFB6AEB-7BAD-444A-81A6-F3C5AE8BE511}" type="datetimeFigureOut">
               <a:rPr lang="en-IN" smtClean="0"/>
-              <a:t>16-09-2024</a:t>
+              <a:t>15-10-2024</a:t>
             </a:fld>
             <a:endParaRPr lang="en-IN"/>
           </a:p>
@@ -15012,7 +15012,7 @@
           <a:p>
             <a:fld id="{3EFB6AEB-7BAD-444A-81A6-F3C5AE8BE511}" type="datetimeFigureOut">
               <a:rPr lang="en-IN" smtClean="0"/>
-              <a:t>16-09-2024</a:t>
+              <a:t>15-10-2024</a:t>
             </a:fld>
             <a:endParaRPr lang="en-IN"/>
           </a:p>
@@ -21321,8 +21321,13 @@
           <a:p>
             <a:r>
               <a:rPr lang="en-US" dirty="0"/>
-              <a:t>The campaigner might not be aware about the customers that are expected to open the term-deposit account easily, before the start of campaign. For example- Financial condition of the potential customer, their occupation which are more likely to open the term-deposit account.</a:t>
+              <a:t>The campaigner might not be aware about the customers that are expected to open the term-deposit account easily, before the start of campaign. For example- Financial condition of the potential customer, their occupation which are more likely to open the </a:t>
             </a:r>
+            <a:r>
+              <a:rPr lang="en-US"/>
+              <a:t>term-deposit account</a:t>
+            </a:r>
+            <a:endParaRPr lang="en-US" dirty="0"/>
           </a:p>
         </p:txBody>
       </p:sp>
